--- a/chapter-01/01-containerimages/01_01_containerimages.pptx
+++ b/chapter-01/01-containerimages/01_01_containerimages.pptx
@@ -259,7 +259,7 @@
           <a:p>
             <a:fld id="{7C2A2C10-8C9F-9B42-9862-A5B84F1CAB8B}" type="datetimeFigureOut">
               <a:rPr lang="en-US" smtClean="0"/>
-              <a:t>4/15/2023</a:t>
+              <a:t>4/16/2023</a:t>
             </a:fld>
             <a:endParaRPr lang="en-US"/>
           </a:p>
@@ -15781,19 +15781,14 @@
             </a:r>
             <a:r>
               <a:rPr lang="en-US" dirty="0"/>
-              <a:t>, build a container image named myckad-image:v1</a:t>
-            </a:r>
-          </a:p>
-          <a:p>
-            <a:r>
-              <a:rPr lang="en-US" dirty="0"/>
-              <a:t>Save the container image in a file named myckad-image</a:t>
-            </a:r>
-            <a:r>
-              <a:rPr lang="en-US"/>
-              <a:t>.tar</a:t>
-            </a:r>
-            <a:endParaRPr lang="en-US" dirty="0"/>
+              <a:t>, build a container image named ‘myckad-image:v1’</a:t>
+            </a:r>
+          </a:p>
+          <a:p>
+            <a:r>
+              <a:rPr lang="en-US" dirty="0"/>
+              <a:t>Save the container image in a file named ‘myckad-image.tar’</a:t>
+            </a:r>
           </a:p>
         </p:txBody>
       </p:sp>

--- a/chapter-01/01-containerimages/01_01_containerimages.pptx
+++ b/chapter-01/01-containerimages/01_01_containerimages.pptx
@@ -259,7 +259,7 @@
           <a:p>
             <a:fld id="{7C2A2C10-8C9F-9B42-9862-A5B84F1CAB8B}" type="datetimeFigureOut">
               <a:rPr lang="en-US" smtClean="0"/>
-              <a:t>4/16/2023</a:t>
+              <a:t>4/21/2023</a:t>
             </a:fld>
             <a:endParaRPr lang="en-US"/>
           </a:p>
@@ -15205,7 +15205,7 @@
           <a:p>
             <a:r>
               <a:rPr lang="en-US" dirty="0"/>
-              <a:t>Container images</a:t>
+              <a:t>Define, build, and modify container images</a:t>
             </a:r>
           </a:p>
         </p:txBody>
@@ -15342,14 +15342,21 @@
             <p:ph type="title"/>
           </p:nvPr>
         </p:nvSpPr>
-        <p:spPr/>
+        <p:spPr>
+          <a:xfrm>
+            <a:off x="938426" y="221635"/>
+            <a:ext cx="10315161" cy="1325563"/>
+          </a:xfrm>
+        </p:spPr>
         <p:txBody>
-          <a:bodyPr/>
+          <a:bodyPr>
+            <a:normAutofit fontScale="90000"/>
+          </a:bodyPr>
           <a:lstStyle/>
           <a:p>
             <a:r>
               <a:rPr lang="en-US" dirty="0"/>
-              <a:t>Container images</a:t>
+              <a:t>Define, build, and modify container images</a:t>
             </a:r>
           </a:p>
         </p:txBody>
@@ -15370,48 +15377,44 @@
             <p:ph type="body" sz="quarter" idx="10"/>
           </p:nvPr>
         </p:nvSpPr>
-        <p:spPr/>
+        <p:spPr>
+          <a:xfrm>
+            <a:off x="1028700" y="1962082"/>
+            <a:ext cx="10224881" cy="4292600"/>
+          </a:xfrm>
+        </p:spPr>
         <p:txBody>
           <a:bodyPr/>
           <a:lstStyle/>
           <a:p>
             <a:r>
               <a:rPr lang="en-US" dirty="0"/>
-              <a:t>Understand </a:t>
-            </a:r>
-            <a:r>
-              <a:rPr lang="en-US" dirty="0" err="1"/>
-              <a:t>Dockerfiles</a:t>
-            </a:r>
-            <a:endParaRPr lang="en-US" dirty="0"/>
-          </a:p>
-          <a:p>
-            <a:r>
-              <a:rPr lang="en-US" dirty="0"/>
-              <a:t>List existing images</a:t>
-            </a:r>
-          </a:p>
-          <a:p>
-            <a:r>
-              <a:rPr lang="en-US" dirty="0"/>
-              <a:t>Build a container image from a </a:t>
-            </a:r>
-            <a:r>
-              <a:rPr lang="en-US" dirty="0" err="1"/>
-              <a:t>Dockerfile</a:t>
-            </a:r>
-            <a:endParaRPr lang="en-US" dirty="0"/>
-          </a:p>
-          <a:p>
-            <a:r>
-              <a:rPr lang="en-US" dirty="0"/>
-              <a:t>Save a </a:t>
-            </a:r>
-            <a:r>
-              <a:rPr lang="en-US"/>
-              <a:t>container image to a TAR file</a:t>
-            </a:r>
-            <a:endParaRPr lang="en-US" dirty="0"/>
+              <a:t>docker image ls</a:t>
+            </a:r>
+          </a:p>
+          <a:p>
+            <a:r>
+              <a:rPr lang="en-US" dirty="0"/>
+              <a:t>docker image build</a:t>
+            </a:r>
+          </a:p>
+          <a:p>
+            <a:r>
+              <a:rPr lang="en-US" dirty="0"/>
+              <a:t>docker image tag</a:t>
+            </a:r>
+          </a:p>
+          <a:p>
+            <a:r>
+              <a:rPr lang="en-US" dirty="0"/>
+              <a:t>docker image rm</a:t>
+            </a:r>
+          </a:p>
+          <a:p>
+            <a:r>
+              <a:rPr lang="en-US" dirty="0"/>
+              <a:t>docker image push/pull</a:t>
+            </a:r>
           </a:p>
         </p:txBody>
       </p:sp>
@@ -15677,6 +15680,67 @@
                       </p:childTnLst>
                     </p:cTn>
                   </p:par>
+                  <p:par>
+                    <p:cTn id="23" fill="hold">
+                      <p:stCondLst>
+                        <p:cond delay="indefinite"/>
+                      </p:stCondLst>
+                      <p:childTnLst>
+                        <p:par>
+                          <p:cTn id="24" fill="hold">
+                            <p:stCondLst>
+                              <p:cond delay="0"/>
+                            </p:stCondLst>
+                            <p:childTnLst>
+                              <p:par>
+                                <p:cTn id="25" presetID="10" presetClass="entr" presetSubtype="0" fill="hold" grpId="0" nodeType="clickEffect">
+                                  <p:stCondLst>
+                                    <p:cond delay="0"/>
+                                  </p:stCondLst>
+                                  <p:childTnLst>
+                                    <p:set>
+                                      <p:cBhvr>
+                                        <p:cTn id="26" dur="1" fill="hold">
+                                          <p:stCondLst>
+                                            <p:cond delay="0"/>
+                                          </p:stCondLst>
+                                        </p:cTn>
+                                        <p:tgtEl>
+                                          <p:spTgt spid="4">
+                                            <p:txEl>
+                                              <p:pRg st="4" end="4"/>
+                                            </p:txEl>
+                                          </p:spTgt>
+                                        </p:tgtEl>
+                                        <p:attrNameLst>
+                                          <p:attrName>style.visibility</p:attrName>
+                                        </p:attrNameLst>
+                                      </p:cBhvr>
+                                      <p:to>
+                                        <p:strVal val="visible"/>
+                                      </p:to>
+                                    </p:set>
+                                    <p:animEffect transition="in" filter="fade">
+                                      <p:cBhvr>
+                                        <p:cTn id="27" dur="500"/>
+                                        <p:tgtEl>
+                                          <p:spTgt spid="4">
+                                            <p:txEl>
+                                              <p:pRg st="4" end="4"/>
+                                            </p:txEl>
+                                          </p:spTgt>
+                                        </p:tgtEl>
+                                      </p:cBhvr>
+                                    </p:animEffect>
+                                  </p:childTnLst>
+                                </p:cTn>
+                              </p:par>
+                            </p:childTnLst>
+                          </p:cTn>
+                        </p:par>
+                      </p:childTnLst>
+                    </p:cTn>
+                  </p:par>
                 </p:childTnLst>
               </p:cTn>
               <p:prevCondLst>
@@ -15787,7 +15851,7 @@
           <a:p>
             <a:r>
               <a:rPr lang="en-US" dirty="0"/>
-              <a:t>Save the container image in a file named ‘myckad-image.tar’</a:t>
+              <a:t>Delete the image</a:t>
             </a:r>
           </a:p>
         </p:txBody>
